--- a/assets/MobProgrammingDefition.pptx
+++ b/assets/MobProgrammingDefition.pptx
@@ -198,7 +198,7 @@
           <a:p>
             <a:fld id="{58D14550-C35E-2A41-BB6C-F9F2397317B1}" type="datetimeFigureOut">
               <a:rPr lang="en-US" smtClean="0"/>
-              <a:t>2/15/17</a:t>
+              <a:t>2/16/17</a:t>
             </a:fld>
             <a:endParaRPr lang="en-US"/>
           </a:p>
@@ -597,7 +597,7 @@
           <a:p>
             <a:fld id="{270CBAE2-87F3-0943-AF14-B3DF6A1A91C3}" type="datetimeFigureOut">
               <a:rPr lang="en-US" smtClean="0"/>
-              <a:t>2/15/17</a:t>
+              <a:t>2/16/17</a:t>
             </a:fld>
             <a:endParaRPr lang="en-US"/>
           </a:p>
@@ -767,7 +767,7 @@
           <a:p>
             <a:fld id="{270CBAE2-87F3-0943-AF14-B3DF6A1A91C3}" type="datetimeFigureOut">
               <a:rPr lang="en-US" smtClean="0"/>
-              <a:t>2/15/17</a:t>
+              <a:t>2/16/17</a:t>
             </a:fld>
             <a:endParaRPr lang="en-US"/>
           </a:p>
@@ -947,7 +947,7 @@
           <a:p>
             <a:fld id="{270CBAE2-87F3-0943-AF14-B3DF6A1A91C3}" type="datetimeFigureOut">
               <a:rPr lang="en-US" smtClean="0"/>
-              <a:t>2/15/17</a:t>
+              <a:t>2/16/17</a:t>
             </a:fld>
             <a:endParaRPr lang="en-US"/>
           </a:p>
@@ -1117,7 +1117,7 @@
           <a:p>
             <a:fld id="{270CBAE2-87F3-0943-AF14-B3DF6A1A91C3}" type="datetimeFigureOut">
               <a:rPr lang="en-US" smtClean="0"/>
-              <a:t>2/15/17</a:t>
+              <a:t>2/16/17</a:t>
             </a:fld>
             <a:endParaRPr lang="en-US"/>
           </a:p>
@@ -1363,7 +1363,7 @@
           <a:p>
             <a:fld id="{270CBAE2-87F3-0943-AF14-B3DF6A1A91C3}" type="datetimeFigureOut">
               <a:rPr lang="en-US" smtClean="0"/>
-              <a:t>2/15/17</a:t>
+              <a:t>2/16/17</a:t>
             </a:fld>
             <a:endParaRPr lang="en-US"/>
           </a:p>
@@ -1595,7 +1595,7 @@
           <a:p>
             <a:fld id="{270CBAE2-87F3-0943-AF14-B3DF6A1A91C3}" type="datetimeFigureOut">
               <a:rPr lang="en-US" smtClean="0"/>
-              <a:t>2/15/17</a:t>
+              <a:t>2/16/17</a:t>
             </a:fld>
             <a:endParaRPr lang="en-US"/>
           </a:p>
@@ -1962,7 +1962,7 @@
           <a:p>
             <a:fld id="{270CBAE2-87F3-0943-AF14-B3DF6A1A91C3}" type="datetimeFigureOut">
               <a:rPr lang="en-US" smtClean="0"/>
-              <a:t>2/15/17</a:t>
+              <a:t>2/16/17</a:t>
             </a:fld>
             <a:endParaRPr lang="en-US"/>
           </a:p>
@@ -2080,7 +2080,7 @@
           <a:p>
             <a:fld id="{270CBAE2-87F3-0943-AF14-B3DF6A1A91C3}" type="datetimeFigureOut">
               <a:rPr lang="en-US" smtClean="0"/>
-              <a:t>2/15/17</a:t>
+              <a:t>2/16/17</a:t>
             </a:fld>
             <a:endParaRPr lang="en-US"/>
           </a:p>
@@ -2175,7 +2175,7 @@
           <a:p>
             <a:fld id="{270CBAE2-87F3-0943-AF14-B3DF6A1A91C3}" type="datetimeFigureOut">
               <a:rPr lang="en-US" smtClean="0"/>
-              <a:t>2/15/17</a:t>
+              <a:t>2/16/17</a:t>
             </a:fld>
             <a:endParaRPr lang="en-US"/>
           </a:p>
@@ -2452,7 +2452,7 @@
           <a:p>
             <a:fld id="{270CBAE2-87F3-0943-AF14-B3DF6A1A91C3}" type="datetimeFigureOut">
               <a:rPr lang="en-US" smtClean="0"/>
-              <a:t>2/15/17</a:t>
+              <a:t>2/16/17</a:t>
             </a:fld>
             <a:endParaRPr lang="en-US"/>
           </a:p>
@@ -2705,7 +2705,7 @@
           <a:p>
             <a:fld id="{270CBAE2-87F3-0943-AF14-B3DF6A1A91C3}" type="datetimeFigureOut">
               <a:rPr lang="en-US" smtClean="0"/>
-              <a:t>2/15/17</a:t>
+              <a:t>2/16/17</a:t>
             </a:fld>
             <a:endParaRPr lang="en-US"/>
           </a:p>
@@ -2918,7 +2918,7 @@
           <a:p>
             <a:fld id="{270CBAE2-87F3-0943-AF14-B3DF6A1A91C3}" type="datetimeFigureOut">
               <a:rPr lang="en-US" smtClean="0"/>
-              <a:t>2/15/17</a:t>
+              <a:t>2/16/17</a:t>
             </a:fld>
             <a:endParaRPr lang="en-US"/>
           </a:p>
@@ -3345,7 +3345,7 @@
         </p:blipFill>
         <p:spPr>
           <a:xfrm>
-            <a:off x="3879824" y="5048666"/>
+            <a:off x="3879824" y="4065490"/>
             <a:ext cx="1270000" cy="1651000"/>
           </a:xfrm>
           <a:prstGeom prst="rect">
@@ -3375,7 +3375,7 @@
         </p:blipFill>
         <p:spPr>
           <a:xfrm>
-            <a:off x="6987223" y="5048666"/>
+            <a:off x="6987223" y="4065490"/>
             <a:ext cx="1270000" cy="1651000"/>
           </a:xfrm>
           <a:prstGeom prst="rect">
@@ -3405,7 +3405,7 @@
         </p:blipFill>
         <p:spPr>
           <a:xfrm>
-            <a:off x="10094622" y="5048666"/>
+            <a:off x="10094622" y="4065490"/>
             <a:ext cx="1270000" cy="1651000"/>
           </a:xfrm>
           <a:prstGeom prst="rect">
@@ -3435,7 +3435,7 @@
         </p:blipFill>
         <p:spPr>
           <a:xfrm>
-            <a:off x="772425" y="5233888"/>
+            <a:off x="772425" y="4065490"/>
             <a:ext cx="1270000" cy="1651000"/>
           </a:xfrm>
           <a:prstGeom prst="rect">
@@ -3451,7 +3451,7 @@
         </p:nvGrpSpPr>
         <p:grpSpPr>
           <a:xfrm>
-            <a:off x="234712" y="2675291"/>
+            <a:off x="234712" y="1506893"/>
             <a:ext cx="2345426" cy="2010603"/>
             <a:chOff x="440797" y="2392455"/>
             <a:chExt cx="3366929" cy="2886281"/>
@@ -3571,7 +3571,7 @@
         </p:nvGrpSpPr>
         <p:grpSpPr>
           <a:xfrm>
-            <a:off x="3342111" y="2675291"/>
+            <a:off x="3342111" y="1506893"/>
             <a:ext cx="2345426" cy="2010603"/>
             <a:chOff x="440797" y="2392455"/>
             <a:chExt cx="3366929" cy="2886281"/>
@@ -3705,7 +3705,7 @@
         </p:blipFill>
         <p:spPr>
           <a:xfrm>
-            <a:off x="6858569" y="3778956"/>
+            <a:off x="6858569" y="2610558"/>
             <a:ext cx="1763706" cy="906938"/>
           </a:xfrm>
           <a:prstGeom prst="rect">
@@ -3735,7 +3735,7 @@
         </p:blipFill>
         <p:spPr>
           <a:xfrm>
-            <a:off x="6449510" y="2675291"/>
+            <a:off x="6449510" y="1506893"/>
             <a:ext cx="1290912" cy="1290911"/>
           </a:xfrm>
           <a:prstGeom prst="rect">
@@ -3765,7 +3765,7 @@
         </p:blipFill>
         <p:spPr>
           <a:xfrm>
-            <a:off x="7504024" y="2675291"/>
+            <a:off x="7504024" y="1506893"/>
             <a:ext cx="1290912" cy="1290911"/>
           </a:xfrm>
           <a:prstGeom prst="rect">
@@ -3781,7 +3781,7 @@
         </p:nvGrpSpPr>
         <p:grpSpPr>
           <a:xfrm>
-            <a:off x="9556909" y="2644247"/>
+            <a:off x="9556909" y="1475849"/>
             <a:ext cx="2345426" cy="2010603"/>
             <a:chOff x="440797" y="2392455"/>
             <a:chExt cx="3366929" cy="2886281"/>
@@ -3906,11 +3906,11 @@
   <p:clrMapOvr>
     <a:masterClrMapping/>
   </p:clrMapOvr>
-  <mc:AlternateContent xmlns:mc="http://schemas.openxmlformats.org/markup-compatibility/2006">
-    <mc:Choice xmlns:p14="http://schemas.microsoft.com/office/powerpoint/2010/main" Requires="p14">
+  <mc:AlternateContent xmlns:mc="http://schemas.openxmlformats.org/markup-compatibility/2006" xmlns:p14="http://schemas.microsoft.com/office/powerpoint/2010/main">
+    <mc:Choice Requires="p14">
       <p:transition p14:dur="0" advTm="1000"/>
     </mc:Choice>
-    <mc:Fallback>
+    <mc:Fallback xmlns="">
       <p:transition advTm="1000"/>
     </mc:Fallback>
   </mc:AlternateContent>
@@ -4144,7 +4144,7 @@
         </p:blipFill>
         <p:spPr>
           <a:xfrm>
-            <a:off x="4730003" y="3280298"/>
+            <a:off x="4730003" y="2823107"/>
             <a:ext cx="2531852" cy="1301937"/>
           </a:xfrm>
           <a:prstGeom prst="rect">
@@ -4204,7 +4204,7 @@
         </p:blipFill>
         <p:spPr>
           <a:xfrm>
-            <a:off x="4451993" y="5048666"/>
+            <a:off x="4451993" y="4065490"/>
             <a:ext cx="1270000" cy="1651000"/>
           </a:xfrm>
           <a:prstGeom prst="rect">
@@ -4234,7 +4234,7 @@
         </p:blipFill>
         <p:spPr>
           <a:xfrm>
-            <a:off x="5995929" y="5048666"/>
+            <a:off x="5995929" y="4065490"/>
             <a:ext cx="1270000" cy="1651000"/>
           </a:xfrm>
           <a:prstGeom prst="rect">
@@ -4264,7 +4264,7 @@
         </p:blipFill>
         <p:spPr>
           <a:xfrm>
-            <a:off x="7595817" y="5048666"/>
+            <a:off x="7595817" y="4065490"/>
             <a:ext cx="1270000" cy="1651000"/>
           </a:xfrm>
           <a:prstGeom prst="rect">
@@ -4294,7 +4294,7 @@
         </p:blipFill>
         <p:spPr>
           <a:xfrm>
-            <a:off x="2924865" y="5048666"/>
+            <a:off x="2924865" y="4065490"/>
             <a:ext cx="1270000" cy="1651000"/>
           </a:xfrm>
           <a:prstGeom prst="rect">
@@ -4312,13 +4312,13 @@
   <p:clrMapOvr>
     <a:masterClrMapping/>
   </p:clrMapOvr>
-  <mc:AlternateContent xmlns:mc="http://schemas.openxmlformats.org/markup-compatibility/2006">
-    <mc:Choice xmlns:p159="http://schemas.microsoft.com/office/powerpoint/2015/09/main" Requires="p159">
+  <mc:AlternateContent xmlns:mc="http://schemas.openxmlformats.org/markup-compatibility/2006" xmlns:p159="http://schemas.microsoft.com/office/powerpoint/2015/09/main">
+    <mc:Choice Requires="p159">
       <p:transition advTm="99000">
         <p159:morph option="byObject"/>
       </p:transition>
     </mc:Choice>
-    <mc:Fallback>
+    <mc:Fallback xmlns="">
       <p:transition advTm="99000">
         <p:fade/>
       </p:transition>
